--- a/Basics_Supercomputing/submitting_jobs_supercomputer.pptx
+++ b/Basics_Supercomputing/submitting_jobs_supercomputer.pptx
@@ -5,10 +5,10 @@
     <p:sldMasterId id="2147483815" r:id="rId1"/>
   </p:sldMasterIdLst>
   <p:notesMasterIdLst>
-    <p:notesMasterId r:id="rId23"/>
+    <p:notesMasterId r:id="rId25"/>
   </p:notesMasterIdLst>
   <p:handoutMasterIdLst>
-    <p:handoutMasterId r:id="rId24"/>
+    <p:handoutMasterId r:id="rId26"/>
   </p:handoutMasterIdLst>
   <p:sldIdLst>
     <p:sldId id="257" r:id="rId2"/>
@@ -31,7 +31,9 @@
     <p:sldId id="316" r:id="rId19"/>
     <p:sldId id="315" r:id="rId20"/>
     <p:sldId id="317" r:id="rId21"/>
-    <p:sldId id="297" r:id="rId22"/>
+    <p:sldId id="318" r:id="rId22"/>
+    <p:sldId id="319" r:id="rId23"/>
+    <p:sldId id="297" r:id="rId24"/>
   </p:sldIdLst>
   <p:sldSz cx="9144000" cy="6858000" type="screen4x3"/>
   <p:notesSz cx="6858000" cy="9144000"/>
@@ -825,6 +827,174 @@
     <p:extLst>
       <p:ext uri="{BB962C8B-B14F-4D97-AF65-F5344CB8AC3E}">
         <p14:creationId xmlns:p14="http://schemas.microsoft.com/office/powerpoint/2010/main" val="1083007469"/>
+      </p:ext>
+    </p:extLst>
+  </p:cSld>
+  <p:clrMapOvr>
+    <a:masterClrMapping/>
+  </p:clrMapOvr>
+</p:notes>
+</file>
+
+<file path=ppt/notesSlides/notesSlide11.xml><?xml version="1.0" encoding="utf-8"?>
+<p:notes xmlns:a="http://schemas.openxmlformats.org/drawingml/2006/main" xmlns:r="http://schemas.openxmlformats.org/officeDocument/2006/relationships" xmlns:p="http://schemas.openxmlformats.org/presentationml/2006/main">
+  <p:cSld>
+    <p:spTree>
+      <p:nvGrpSpPr>
+        <p:cNvPr id="1" name=""/>
+        <p:cNvGrpSpPr/>
+        <p:nvPr/>
+      </p:nvGrpSpPr>
+      <p:grpSpPr>
+        <a:xfrm>
+          <a:off x="0" y="0"/>
+          <a:ext cx="0" cy="0"/>
+          <a:chOff x="0" y="0"/>
+          <a:chExt cx="0" cy="0"/>
+        </a:xfrm>
+      </p:grpSpPr>
+      <p:sp>
+        <p:nvSpPr>
+          <p:cNvPr id="2" name="Slide Image Placeholder 1"/>
+          <p:cNvSpPr>
+            <a:spLocks noGrp="1" noRot="1" noChangeAspect="1"/>
+          </p:cNvSpPr>
+          <p:nvPr>
+            <p:ph type="sldImg"/>
+          </p:nvPr>
+        </p:nvSpPr>
+        <p:spPr/>
+      </p:sp>
+      <p:sp>
+        <p:nvSpPr>
+          <p:cNvPr id="3" name="Notes Placeholder 2"/>
+          <p:cNvSpPr>
+            <a:spLocks noGrp="1"/>
+          </p:cNvSpPr>
+          <p:nvPr>
+            <p:ph type="body" idx="1"/>
+          </p:nvPr>
+        </p:nvSpPr>
+        <p:spPr/>
+        <p:txBody>
+          <a:bodyPr/>
+          <a:lstStyle/>
+          <a:p>
+            <a:endParaRPr lang="en-US" dirty="0"/>
+          </a:p>
+        </p:txBody>
+      </p:sp>
+      <p:sp>
+        <p:nvSpPr>
+          <p:cNvPr id="4" name="Slide Number Placeholder 3"/>
+          <p:cNvSpPr>
+            <a:spLocks noGrp="1"/>
+          </p:cNvSpPr>
+          <p:nvPr>
+            <p:ph type="sldNum" sz="quarter" idx="10"/>
+          </p:nvPr>
+        </p:nvSpPr>
+        <p:spPr/>
+        <p:txBody>
+          <a:bodyPr/>
+          <a:lstStyle/>
+          <a:p>
+            <a:fld id="{08008AE1-FA72-B840-8C8E-D06497C18101}" type="slidenum">
+              <a:rPr lang="en-US" smtClean="0"/>
+              <a:t>21</a:t>
+            </a:fld>
+            <a:endParaRPr lang="en-US"/>
+          </a:p>
+        </p:txBody>
+      </p:sp>
+    </p:spTree>
+    <p:extLst>
+      <p:ext uri="{BB962C8B-B14F-4D97-AF65-F5344CB8AC3E}">
+        <p14:creationId xmlns:p14="http://schemas.microsoft.com/office/powerpoint/2010/main" val="492444090"/>
+      </p:ext>
+    </p:extLst>
+  </p:cSld>
+  <p:clrMapOvr>
+    <a:masterClrMapping/>
+  </p:clrMapOvr>
+</p:notes>
+</file>
+
+<file path=ppt/notesSlides/notesSlide12.xml><?xml version="1.0" encoding="utf-8"?>
+<p:notes xmlns:a="http://schemas.openxmlformats.org/drawingml/2006/main" xmlns:r="http://schemas.openxmlformats.org/officeDocument/2006/relationships" xmlns:p="http://schemas.openxmlformats.org/presentationml/2006/main">
+  <p:cSld>
+    <p:spTree>
+      <p:nvGrpSpPr>
+        <p:cNvPr id="1" name=""/>
+        <p:cNvGrpSpPr/>
+        <p:nvPr/>
+      </p:nvGrpSpPr>
+      <p:grpSpPr>
+        <a:xfrm>
+          <a:off x="0" y="0"/>
+          <a:ext cx="0" cy="0"/>
+          <a:chOff x="0" y="0"/>
+          <a:chExt cx="0" cy="0"/>
+        </a:xfrm>
+      </p:grpSpPr>
+      <p:sp>
+        <p:nvSpPr>
+          <p:cNvPr id="2" name="Slide Image Placeholder 1"/>
+          <p:cNvSpPr>
+            <a:spLocks noGrp="1" noRot="1" noChangeAspect="1"/>
+          </p:cNvSpPr>
+          <p:nvPr>
+            <p:ph type="sldImg"/>
+          </p:nvPr>
+        </p:nvSpPr>
+        <p:spPr/>
+      </p:sp>
+      <p:sp>
+        <p:nvSpPr>
+          <p:cNvPr id="3" name="Notes Placeholder 2"/>
+          <p:cNvSpPr>
+            <a:spLocks noGrp="1"/>
+          </p:cNvSpPr>
+          <p:nvPr>
+            <p:ph type="body" idx="1"/>
+          </p:nvPr>
+        </p:nvSpPr>
+        <p:spPr/>
+        <p:txBody>
+          <a:bodyPr/>
+          <a:lstStyle/>
+          <a:p>
+            <a:endParaRPr lang="en-US" dirty="0"/>
+          </a:p>
+        </p:txBody>
+      </p:sp>
+      <p:sp>
+        <p:nvSpPr>
+          <p:cNvPr id="4" name="Slide Number Placeholder 3"/>
+          <p:cNvSpPr>
+            <a:spLocks noGrp="1"/>
+          </p:cNvSpPr>
+          <p:nvPr>
+            <p:ph type="sldNum" sz="quarter" idx="10"/>
+          </p:nvPr>
+        </p:nvSpPr>
+        <p:spPr/>
+        <p:txBody>
+          <a:bodyPr/>
+          <a:lstStyle/>
+          <a:p>
+            <a:fld id="{08008AE1-FA72-B840-8C8E-D06497C18101}" type="slidenum">
+              <a:rPr lang="en-US" smtClean="0"/>
+              <a:t>22</a:t>
+            </a:fld>
+            <a:endParaRPr lang="en-US"/>
+          </a:p>
+        </p:txBody>
+      </p:sp>
+    </p:spTree>
+    <p:extLst>
+      <p:ext uri="{BB962C8B-B14F-4D97-AF65-F5344CB8AC3E}">
+        <p14:creationId xmlns:p14="http://schemas.microsoft.com/office/powerpoint/2010/main" val="1226310986"/>
       </p:ext>
     </p:extLst>
   </p:cSld>
@@ -5090,7 +5260,7 @@
             </a:r>
             <a:r>
               <a:rPr lang="en-US" dirty="0" err="1" smtClean="0"/>
-              <a:t>ParaView</a:t>
+              <a:t>TotalView</a:t>
             </a:r>
             <a:endParaRPr lang="en-US" dirty="0" smtClean="0"/>
           </a:p>
@@ -5303,7 +5473,7 @@
             </a:r>
             <a:r>
               <a:rPr lang="en-US" dirty="0" err="1" smtClean="0"/>
-              <a:t>matlab_tutorial_general_code.m</a:t>
+              <a:t>matlab_tic.m</a:t>
             </a:r>
             <a:endParaRPr lang="en-US" dirty="0" smtClean="0"/>
           </a:p>
@@ -5815,7 +5985,7 @@
         </p:spPr>
         <p:txBody>
           <a:bodyPr>
-            <a:normAutofit/>
+            <a:normAutofit fontScale="92500"/>
           </a:bodyPr>
           <a:lstStyle/>
           <a:p>
@@ -5850,7 +6020,7 @@
               <a:buNone/>
             </a:pPr>
             <a:r>
-              <a:rPr lang="en-US" sz="1900" dirty="0">
+              <a:rPr lang="en-US" sz="2000" dirty="0">
                 <a:latin typeface="Courier New" charset="0"/>
                 <a:ea typeface="Courier New" charset="0"/>
                 <a:cs typeface="Courier New" charset="0"/>
@@ -5863,7 +6033,7 @@
               <a:buNone/>
             </a:pPr>
             <a:r>
-              <a:rPr lang="en-US" sz="1900" dirty="0">
+              <a:rPr lang="en-US" sz="2000" dirty="0">
                 <a:latin typeface="Courier New" charset="0"/>
                 <a:ea typeface="Courier New" charset="0"/>
                 <a:cs typeface="Courier New" charset="0"/>
@@ -5871,7 +6041,7 @@
               <a:t>#SBATCH -N 1                      </a:t>
             </a:r>
             <a:r>
-              <a:rPr lang="en-US" sz="1900" dirty="0" smtClean="0">
+              <a:rPr lang="en-US" sz="2000" dirty="0" smtClean="0">
                 <a:latin typeface="Courier New" charset="0"/>
                 <a:ea typeface="Courier New" charset="0"/>
                 <a:cs typeface="Courier New" charset="0"/>
@@ -5879,7 +6049,7 @@
               <a:t># </a:t>
             </a:r>
             <a:r>
-              <a:rPr lang="en-US" sz="1900" dirty="0">
+              <a:rPr lang="en-US" sz="2000" dirty="0">
                 <a:latin typeface="Courier New" charset="0"/>
                 <a:ea typeface="Courier New" charset="0"/>
                 <a:cs typeface="Courier New" charset="0"/>
@@ -5892,15 +6062,15 @@
               <a:buNone/>
             </a:pPr>
             <a:r>
-              <a:rPr lang="de-DE" sz="1900" dirty="0">
-                <a:latin typeface="Courier New" charset="0"/>
-                <a:ea typeface="Courier New" charset="0"/>
-                <a:cs typeface="Courier New" charset="0"/>
-              </a:rPr>
-              <a:t>#SBATCH --time=0:01:00            </a:t>
-            </a:r>
-            <a:r>
-              <a:rPr lang="de-DE" sz="1900" dirty="0" smtClean="0">
+              <a:rPr lang="de-DE" sz="2000" dirty="0">
+                <a:latin typeface="Courier New" charset="0"/>
+                <a:ea typeface="Courier New" charset="0"/>
+                <a:cs typeface="Courier New" charset="0"/>
+              </a:rPr>
+              <a:t>#SBATCH --time=0:02:00            </a:t>
+            </a:r>
+            <a:r>
+              <a:rPr lang="de-DE" sz="2000" dirty="0" smtClean="0">
                 <a:latin typeface="Courier New" charset="0"/>
                 <a:ea typeface="Courier New" charset="0"/>
                 <a:cs typeface="Courier New" charset="0"/>
@@ -5908,7 +6078,7 @@
               <a:t># </a:t>
             </a:r>
             <a:r>
-              <a:rPr lang="de-DE" sz="1900" dirty="0">
+              <a:rPr lang="de-DE" sz="2000" dirty="0">
                 <a:latin typeface="Courier New" charset="0"/>
                 <a:ea typeface="Courier New" charset="0"/>
                 <a:cs typeface="Courier New" charset="0"/>
@@ -5916,14 +6086,14 @@
               <a:t>Max </a:t>
             </a:r>
             <a:r>
-              <a:rPr lang="de-DE" sz="1900" dirty="0" err="1">
+              <a:rPr lang="de-DE" sz="2000" dirty="0" err="1">
                 <a:latin typeface="Courier New" charset="0"/>
                 <a:ea typeface="Courier New" charset="0"/>
                 <a:cs typeface="Courier New" charset="0"/>
               </a:rPr>
               <a:t>walltime</a:t>
             </a:r>
-            <a:endParaRPr lang="de-DE" sz="1900" dirty="0">
+            <a:endParaRPr lang="de-DE" sz="2000" dirty="0">
               <a:latin typeface="Courier New" charset="0"/>
               <a:ea typeface="Courier New" charset="0"/>
               <a:cs typeface="Courier New" charset="0"/>
@@ -5934,39 +6104,39 @@
               <a:buNone/>
             </a:pPr>
             <a:r>
-              <a:rPr lang="de-DE" sz="1900" dirty="0">
-                <a:latin typeface="Courier New" charset="0"/>
-                <a:ea typeface="Courier New" charset="0"/>
-                <a:cs typeface="Courier New" charset="0"/>
-              </a:rPr>
-              <a:t>#SBATCH --</a:t>
-            </a:r>
-            <a:r>
-              <a:rPr lang="de-DE" sz="1900" dirty="0" smtClean="0">
-                <a:latin typeface="Courier New" charset="0"/>
-                <a:ea typeface="Courier New" charset="0"/>
-                <a:cs typeface="Courier New" charset="0"/>
-              </a:rPr>
-              <a:t>job-name=</a:t>
-            </a:r>
-            <a:r>
-              <a:rPr lang="de-DE" sz="1900" dirty="0" err="1" smtClean="0">
-                <a:latin typeface="Courier New" charset="0"/>
-                <a:ea typeface="Courier New" charset="0"/>
-                <a:cs typeface="Courier New" charset="0"/>
-              </a:rPr>
-              <a:t>hostname</a:t>
-            </a:r>
-            <a:r>
-              <a:rPr lang="de-DE" sz="1900" dirty="0" smtClean="0">
-                <a:latin typeface="Courier New" charset="0"/>
-                <a:ea typeface="Courier New" charset="0"/>
-                <a:cs typeface="Courier New" charset="0"/>
-              </a:rPr>
-              <a:t>       # </a:t>
-            </a:r>
-            <a:r>
-              <a:rPr lang="de-DE" sz="1900" dirty="0">
+              <a:rPr lang="de-DE" sz="2000" dirty="0">
+                <a:latin typeface="Courier New" charset="0"/>
+                <a:ea typeface="Courier New" charset="0"/>
+                <a:cs typeface="Courier New" charset="0"/>
+              </a:rPr>
+              <a:t>#SBATCH --job-name=</a:t>
+            </a:r>
+            <a:r>
+              <a:rPr lang="de-DE" sz="2000" dirty="0" err="1">
+                <a:latin typeface="Courier New" charset="0"/>
+                <a:ea typeface="Courier New" charset="0"/>
+                <a:cs typeface="Courier New" charset="0"/>
+              </a:rPr>
+              <a:t>Matlab</a:t>
+            </a:r>
+            <a:r>
+              <a:rPr lang="de-DE" sz="2000" dirty="0">
+                <a:latin typeface="Courier New" charset="0"/>
+                <a:ea typeface="Courier New" charset="0"/>
+                <a:cs typeface="Courier New" charset="0"/>
+              </a:rPr>
+              <a:t>         </a:t>
+            </a:r>
+            <a:r>
+              <a:rPr lang="de-DE" sz="2000" dirty="0" smtClean="0">
+                <a:latin typeface="Courier New" charset="0"/>
+                <a:ea typeface="Courier New" charset="0"/>
+                <a:cs typeface="Courier New" charset="0"/>
+              </a:rPr>
+              <a:t># </a:t>
+            </a:r>
+            <a:r>
+              <a:rPr lang="de-DE" sz="2000" dirty="0">
                 <a:latin typeface="Courier New" charset="0"/>
                 <a:ea typeface="Courier New" charset="0"/>
                 <a:cs typeface="Courier New" charset="0"/>
@@ -5974,7 +6144,7 @@
               <a:t>Job </a:t>
             </a:r>
             <a:r>
-              <a:rPr lang="de-DE" sz="1900" dirty="0" err="1">
+              <a:rPr lang="de-DE" sz="2000" dirty="0" err="1">
                 <a:latin typeface="Courier New" charset="0"/>
                 <a:ea typeface="Courier New" charset="0"/>
                 <a:cs typeface="Courier New" charset="0"/>
@@ -5982,7 +6152,7 @@
               <a:t>submission</a:t>
             </a:r>
             <a:r>
-              <a:rPr lang="de-DE" sz="1900" dirty="0">
+              <a:rPr lang="de-DE" sz="2000" dirty="0">
                 <a:latin typeface="Courier New" charset="0"/>
                 <a:ea typeface="Courier New" charset="0"/>
                 <a:cs typeface="Courier New" charset="0"/>
@@ -5990,14 +6160,14 @@
               <a:t> </a:t>
             </a:r>
             <a:r>
-              <a:rPr lang="de-DE" sz="1900" dirty="0" err="1" smtClean="0">
+              <a:rPr lang="de-DE" sz="2000" dirty="0" err="1">
                 <a:latin typeface="Courier New" charset="0"/>
                 <a:ea typeface="Courier New" charset="0"/>
                 <a:cs typeface="Courier New" charset="0"/>
               </a:rPr>
               <a:t>name</a:t>
             </a:r>
-            <a:endParaRPr lang="de-DE" sz="1900" dirty="0" smtClean="0">
+            <a:endParaRPr lang="de-DE" sz="2000" dirty="0">
               <a:latin typeface="Courier New" charset="0"/>
               <a:ea typeface="Courier New" charset="0"/>
               <a:cs typeface="Courier New" charset="0"/>
@@ -6008,47 +6178,39 @@
               <a:buNone/>
             </a:pPr>
             <a:r>
-              <a:rPr lang="de-DE" sz="1900" dirty="0" smtClean="0">
-                <a:latin typeface="Courier New" charset="0"/>
-                <a:ea typeface="Courier New" charset="0"/>
-                <a:cs typeface="Courier New" charset="0"/>
-              </a:rPr>
-              <a:t>#</a:t>
-            </a:r>
-            <a:r>
-              <a:rPr lang="de-DE" sz="1900" dirty="0">
-                <a:latin typeface="Courier New" charset="0"/>
-                <a:ea typeface="Courier New" charset="0"/>
-                <a:cs typeface="Courier New" charset="0"/>
-              </a:rPr>
-              <a:t>SBATCH --</a:t>
-            </a:r>
-            <a:r>
-              <a:rPr lang="de-DE" sz="1900" dirty="0" smtClean="0">
-                <a:latin typeface="Courier New" charset="0"/>
-                <a:ea typeface="Courier New" charset="0"/>
-                <a:cs typeface="Courier New" charset="0"/>
-              </a:rPr>
-              <a:t>output=</a:t>
-            </a:r>
-            <a:r>
-              <a:rPr lang="de-DE" sz="1900" dirty="0" err="1" smtClean="0">
-                <a:latin typeface="Courier New" charset="0"/>
-                <a:ea typeface="Courier New" charset="0"/>
-                <a:cs typeface="Courier New" charset="0"/>
-              </a:rPr>
-              <a:t>hostname.out</a:t>
-            </a:r>
-            <a:r>
-              <a:rPr lang="de-DE" sz="1900" dirty="0" smtClean="0">
-                <a:latin typeface="Courier New" charset="0"/>
-                <a:ea typeface="Courier New" charset="0"/>
-                <a:cs typeface="Courier New" charset="0"/>
-              </a:rPr>
-              <a:t>     # </a:t>
-            </a:r>
-            <a:r>
-              <a:rPr lang="de-DE" sz="1900" dirty="0">
+              <a:rPr lang="de-DE" sz="2000" dirty="0">
+                <a:latin typeface="Courier New" charset="0"/>
+                <a:ea typeface="Courier New" charset="0"/>
+                <a:cs typeface="Courier New" charset="0"/>
+              </a:rPr>
+              <a:t>#SBATCH --output=</a:t>
+            </a:r>
+            <a:r>
+              <a:rPr lang="de-DE" sz="2000" dirty="0" err="1">
+                <a:latin typeface="Courier New" charset="0"/>
+                <a:ea typeface="Courier New" charset="0"/>
+                <a:cs typeface="Courier New" charset="0"/>
+              </a:rPr>
+              <a:t>Matlab.out</a:t>
+            </a:r>
+            <a:r>
+              <a:rPr lang="de-DE" sz="2000" dirty="0">
+                <a:latin typeface="Courier New" charset="0"/>
+                <a:ea typeface="Courier New" charset="0"/>
+                <a:cs typeface="Courier New" charset="0"/>
+              </a:rPr>
+              <a:t>       </a:t>
+            </a:r>
+            <a:r>
+              <a:rPr lang="de-DE" sz="2000" dirty="0" smtClean="0">
+                <a:latin typeface="Courier New" charset="0"/>
+                <a:ea typeface="Courier New" charset="0"/>
+                <a:cs typeface="Courier New" charset="0"/>
+              </a:rPr>
+              <a:t># </a:t>
+            </a:r>
+            <a:r>
+              <a:rPr lang="de-DE" sz="2000" dirty="0">
                 <a:latin typeface="Courier New" charset="0"/>
                 <a:ea typeface="Courier New" charset="0"/>
                 <a:cs typeface="Courier New" charset="0"/>
@@ -6056,7 +6218,7 @@
               <a:t>Output </a:t>
             </a:r>
             <a:r>
-              <a:rPr lang="de-DE" sz="1900" dirty="0" err="1">
+              <a:rPr lang="de-DE" sz="2000" dirty="0" err="1">
                 <a:latin typeface="Courier New" charset="0"/>
                 <a:ea typeface="Courier New" charset="0"/>
                 <a:cs typeface="Courier New" charset="0"/>
@@ -6064,7 +6226,7 @@
               <a:t>file</a:t>
             </a:r>
             <a:r>
-              <a:rPr lang="de-DE" sz="1900" dirty="0">
+              <a:rPr lang="de-DE" sz="2000" dirty="0">
                 <a:latin typeface="Courier New" charset="0"/>
                 <a:ea typeface="Courier New" charset="0"/>
                 <a:cs typeface="Courier New" charset="0"/>
@@ -6072,14 +6234,14 @@
               <a:t> </a:t>
             </a:r>
             <a:r>
-              <a:rPr lang="de-DE" sz="1900" dirty="0" err="1">
+              <a:rPr lang="de-DE" sz="2000" dirty="0" err="1">
                 <a:latin typeface="Courier New" charset="0"/>
                 <a:ea typeface="Courier New" charset="0"/>
                 <a:cs typeface="Courier New" charset="0"/>
               </a:rPr>
               <a:t>name</a:t>
             </a:r>
-            <a:endParaRPr lang="de-DE" sz="1900" dirty="0">
+            <a:endParaRPr lang="de-DE" sz="2000" dirty="0">
               <a:latin typeface="Courier New" charset="0"/>
               <a:ea typeface="Courier New" charset="0"/>
               <a:cs typeface="Courier New" charset="0"/>
@@ -6090,7 +6252,7 @@
               <a:buNone/>
             </a:pPr>
             <a:r>
-              <a:rPr lang="en-US" sz="1900" dirty="0">
+              <a:rPr lang="de-DE" sz="2000" dirty="0">
                 <a:latin typeface="Courier New" charset="0"/>
                 <a:ea typeface="Courier New" charset="0"/>
                 <a:cs typeface="Courier New" charset="0"/>
@@ -6098,7 +6260,7 @@
               <a:t>#SBATCH --reservation=</a:t>
             </a:r>
             <a:r>
-              <a:rPr lang="en-US" sz="1900" dirty="0" err="1">
+              <a:rPr lang="de-DE" sz="2000" dirty="0" err="1">
                 <a:latin typeface="Courier New" charset="0"/>
                 <a:ea typeface="Courier New" charset="0"/>
                 <a:cs typeface="Courier New" charset="0"/>
@@ -6106,14 +6268,38 @@
               <a:t>scbasics</a:t>
             </a:r>
             <a:r>
-              <a:rPr lang="en-US" sz="1900" dirty="0">
-                <a:latin typeface="Courier New" charset="0"/>
-                <a:ea typeface="Courier New" charset="0"/>
-                <a:cs typeface="Courier New" charset="0"/>
-              </a:rPr>
-              <a:t>    # Reservation</a:t>
-            </a:r>
-            <a:endParaRPr lang="de-DE" sz="1900" dirty="0">
+              <a:rPr lang="de-DE" sz="2000" dirty="0">
+                <a:latin typeface="Courier New" charset="0"/>
+                <a:ea typeface="Courier New" charset="0"/>
+                <a:cs typeface="Courier New" charset="0"/>
+              </a:rPr>
+              <a:t>    </a:t>
+            </a:r>
+            <a:r>
+              <a:rPr lang="de-DE" sz="2000" dirty="0" smtClean="0">
+                <a:latin typeface="Courier New" charset="0"/>
+                <a:ea typeface="Courier New" charset="0"/>
+                <a:cs typeface="Courier New" charset="0"/>
+              </a:rPr>
+              <a:t># </a:t>
+            </a:r>
+            <a:r>
+              <a:rPr lang="de-DE" sz="2000" dirty="0">
+                <a:latin typeface="Courier New" charset="0"/>
+                <a:ea typeface="Courier New" charset="0"/>
+                <a:cs typeface="Courier New" charset="0"/>
+              </a:rPr>
+              <a:t>Reservation </a:t>
+            </a:r>
+            <a:r>
+              <a:rPr lang="de-DE" sz="2000" dirty="0" err="1" smtClean="0">
+                <a:latin typeface="Courier New" charset="0"/>
+                <a:ea typeface="Courier New" charset="0"/>
+                <a:cs typeface="Courier New" charset="0"/>
+              </a:rPr>
+              <a:t>name</a:t>
+            </a:r>
+            <a:endParaRPr lang="de-DE" sz="2000" dirty="0">
               <a:latin typeface="Courier New" charset="0"/>
               <a:ea typeface="Courier New" charset="0"/>
               <a:cs typeface="Courier New" charset="0"/>
@@ -6123,7 +6309,7 @@
             <a:pPr marL="114300" indent="0">
               <a:buNone/>
             </a:pPr>
-            <a:endParaRPr lang="de-DE" sz="1900" dirty="0">
+            <a:endParaRPr lang="en-US" sz="2000" dirty="0">
               <a:latin typeface="Courier New" charset="0"/>
               <a:ea typeface="Courier New" charset="0"/>
               <a:cs typeface="Courier New" charset="0"/>
@@ -6133,14 +6319,140 @@
             <a:pPr marL="114300" indent="0">
               <a:buNone/>
             </a:pPr>
-            <a:r>
-              <a:rPr lang="de-DE" sz="1900" dirty="0" err="1">
-                <a:latin typeface="Courier New" charset="0"/>
-                <a:ea typeface="Courier New" charset="0"/>
-                <a:cs typeface="Courier New" charset="0"/>
-              </a:rPr>
-              <a:t>hostname</a:t>
-            </a:r>
+            <a:endParaRPr lang="en-US" sz="2000" dirty="0">
+              <a:latin typeface="Courier New" charset="0"/>
+              <a:ea typeface="Courier New" charset="0"/>
+              <a:cs typeface="Courier New" charset="0"/>
+            </a:endParaRPr>
+          </a:p>
+          <a:p>
+            <a:pPr marL="114300" indent="0">
+              <a:buNone/>
+            </a:pPr>
+            <a:endParaRPr lang="en-US" sz="2000" dirty="0">
+              <a:latin typeface="Courier New" charset="0"/>
+              <a:ea typeface="Courier New" charset="0"/>
+              <a:cs typeface="Courier New" charset="0"/>
+            </a:endParaRPr>
+          </a:p>
+          <a:p>
+            <a:pPr marL="114300" indent="0">
+              <a:buNone/>
+            </a:pPr>
+            <a:r>
+              <a:rPr lang="en-US" sz="2000" dirty="0">
+                <a:latin typeface="Courier New" charset="0"/>
+                <a:ea typeface="Courier New" charset="0"/>
+                <a:cs typeface="Courier New" charset="0"/>
+              </a:rPr>
+              <a:t># Run </a:t>
+            </a:r>
+            <a:r>
+              <a:rPr lang="en-US" sz="2000" dirty="0" err="1">
+                <a:latin typeface="Courier New" charset="0"/>
+                <a:ea typeface="Courier New" charset="0"/>
+                <a:cs typeface="Courier New" charset="0"/>
+              </a:rPr>
+              <a:t>matlab</a:t>
+            </a:r>
+            <a:r>
+              <a:rPr lang="en-US" sz="2000" dirty="0">
+                <a:latin typeface="Courier New" charset="0"/>
+                <a:ea typeface="Courier New" charset="0"/>
+                <a:cs typeface="Courier New" charset="0"/>
+              </a:rPr>
+              <a:t> without a GUI</a:t>
+            </a:r>
+          </a:p>
+          <a:p>
+            <a:pPr marL="114300" indent="0">
+              <a:buNone/>
+            </a:pPr>
+            <a:r>
+              <a:rPr lang="en-US" sz="2000" dirty="0" err="1">
+                <a:latin typeface="Courier New" charset="0"/>
+                <a:ea typeface="Courier New" charset="0"/>
+                <a:cs typeface="Courier New" charset="0"/>
+              </a:rPr>
+              <a:t>matlab</a:t>
+            </a:r>
+            <a:r>
+              <a:rPr lang="en-US" sz="2000" dirty="0">
+                <a:latin typeface="Courier New" charset="0"/>
+                <a:ea typeface="Courier New" charset="0"/>
+                <a:cs typeface="Courier New" charset="0"/>
+              </a:rPr>
+              <a:t> -</a:t>
+            </a:r>
+            <a:r>
+              <a:rPr lang="en-US" sz="2000" dirty="0" err="1">
+                <a:latin typeface="Courier New" charset="0"/>
+                <a:ea typeface="Courier New" charset="0"/>
+                <a:cs typeface="Courier New" charset="0"/>
+              </a:rPr>
+              <a:t>nojvm</a:t>
+            </a:r>
+            <a:r>
+              <a:rPr lang="en-US" sz="2000" dirty="0">
+                <a:latin typeface="Courier New" charset="0"/>
+                <a:ea typeface="Courier New" charset="0"/>
+                <a:cs typeface="Courier New" charset="0"/>
+              </a:rPr>
+              <a:t> -</a:t>
+            </a:r>
+            <a:r>
+              <a:rPr lang="en-US" sz="2000" dirty="0" err="1">
+                <a:latin typeface="Courier New" charset="0"/>
+                <a:ea typeface="Courier New" charset="0"/>
+                <a:cs typeface="Courier New" charset="0"/>
+              </a:rPr>
+              <a:t>nodisplay</a:t>
+            </a:r>
+            <a:r>
+              <a:rPr lang="en-US" sz="2000" dirty="0">
+                <a:latin typeface="Courier New" charset="0"/>
+                <a:ea typeface="Courier New" charset="0"/>
+                <a:cs typeface="Courier New" charset="0"/>
+              </a:rPr>
+              <a:t> -</a:t>
+            </a:r>
+            <a:r>
+              <a:rPr lang="en-US" sz="2000" dirty="0" err="1">
+                <a:latin typeface="Courier New" charset="0"/>
+                <a:ea typeface="Courier New" charset="0"/>
+                <a:cs typeface="Courier New" charset="0"/>
+              </a:rPr>
+              <a:t>nodesktop</a:t>
+            </a:r>
+            <a:r>
+              <a:rPr lang="en-US" sz="2000" dirty="0">
+                <a:latin typeface="Courier New" charset="0"/>
+                <a:ea typeface="Courier New" charset="0"/>
+                <a:cs typeface="Courier New" charset="0"/>
+              </a:rPr>
+              <a:t> -r "clear; </a:t>
+            </a:r>
+            <a:r>
+              <a:rPr lang="en-US" sz="2000" dirty="0" err="1">
+                <a:latin typeface="Courier New" charset="0"/>
+                <a:ea typeface="Courier New" charset="0"/>
+                <a:cs typeface="Courier New" charset="0"/>
+              </a:rPr>
+              <a:t>matlab_tic</a:t>
+            </a:r>
+            <a:r>
+              <a:rPr lang="en-US" sz="2000" dirty="0">
+                <a:latin typeface="Courier New" charset="0"/>
+                <a:ea typeface="Courier New" charset="0"/>
+                <a:cs typeface="Courier New" charset="0"/>
+              </a:rPr>
+              <a:t>;"</a:t>
+            </a:r>
+          </a:p>
+          <a:p>
+            <a:pPr marL="114300" indent="0">
+              <a:buNone/>
+            </a:pPr>
             <a:endParaRPr lang="en-US" sz="1900" dirty="0" smtClean="0">
               <a:latin typeface="Courier New" charset="0"/>
               <a:ea typeface="Courier New" charset="0"/>
@@ -6328,10 +6640,9 @@
           <a:p>
             <a:pPr lvl="1"/>
             <a:r>
-              <a:rPr lang="en-US" dirty="0" err="1" smtClean="0"/>
-              <a:t>Matlab</a:t>
-            </a:r>
-            <a:endParaRPr lang="en-US" dirty="0" smtClean="0"/>
+              <a:rPr lang="en-US" dirty="0" smtClean="0"/>
+              <a:t>Running external scripts</a:t>
+            </a:r>
           </a:p>
           <a:p>
             <a:pPr lvl="1"/>
@@ -6858,6 +7169,738 @@
       </p:grpSpPr>
       <p:sp>
         <p:nvSpPr>
+          <p:cNvPr id="6" name="Title 5"/>
+          <p:cNvSpPr>
+            <a:spLocks noGrp="1"/>
+          </p:cNvSpPr>
+          <p:nvPr>
+            <p:ph type="title"/>
+          </p:nvPr>
+        </p:nvSpPr>
+        <p:spPr/>
+        <p:txBody>
+          <a:bodyPr/>
+          <a:lstStyle/>
+          <a:p>
+            <a:r>
+              <a:rPr lang="en-US" dirty="0" smtClean="0"/>
+              <a:t>Solution – </a:t>
+            </a:r>
+            <a:r>
+              <a:rPr lang="en-US" smtClean="0"/>
+              <a:t>R_code.sh</a:t>
+            </a:r>
+            <a:endParaRPr lang="en-US" dirty="0"/>
+          </a:p>
+        </p:txBody>
+      </p:sp>
+      <p:sp>
+        <p:nvSpPr>
+          <p:cNvPr id="7" name="Content Placeholder 6"/>
+          <p:cNvSpPr>
+            <a:spLocks noGrp="1"/>
+          </p:cNvSpPr>
+          <p:nvPr>
+            <p:ph idx="1"/>
+          </p:nvPr>
+        </p:nvSpPr>
+        <p:spPr>
+          <a:xfrm>
+            <a:off x="0" y="1712891"/>
+            <a:ext cx="9114493" cy="4443210"/>
+          </a:xfrm>
+        </p:spPr>
+        <p:txBody>
+          <a:bodyPr>
+            <a:normAutofit/>
+          </a:bodyPr>
+          <a:lstStyle/>
+          <a:p>
+            <a:pPr marL="114300" indent="0">
+              <a:buNone/>
+            </a:pPr>
+            <a:r>
+              <a:rPr lang="en-US" sz="1800" dirty="0">
+                <a:latin typeface="Courier New" charset="0"/>
+                <a:ea typeface="Courier New" charset="0"/>
+                <a:cs typeface="Courier New" charset="0"/>
+              </a:rPr>
+              <a:t>#!/bin/bash</a:t>
+            </a:r>
+          </a:p>
+          <a:p>
+            <a:pPr marL="114300" indent="0">
+              <a:buNone/>
+            </a:pPr>
+            <a:r>
+              <a:rPr lang="en-US" sz="1800" dirty="0">
+                <a:latin typeface="Courier New" charset="0"/>
+                <a:ea typeface="Courier New" charset="0"/>
+                <a:cs typeface="Courier New" charset="0"/>
+              </a:rPr>
+              <a:t>#SBATCH -N 1                       # Number of requested nodes</a:t>
+            </a:r>
+          </a:p>
+          <a:p>
+            <a:pPr marL="114300" indent="0">
+              <a:buNone/>
+            </a:pPr>
+            <a:r>
+              <a:rPr lang="de-DE" sz="1800" dirty="0">
+                <a:latin typeface="Courier New" charset="0"/>
+                <a:ea typeface="Courier New" charset="0"/>
+                <a:cs typeface="Courier New" charset="0"/>
+              </a:rPr>
+              <a:t>#SBATCH --time=0:01:00             # Max </a:t>
+            </a:r>
+            <a:r>
+              <a:rPr lang="de-DE" sz="1800" dirty="0" err="1">
+                <a:latin typeface="Courier New" charset="0"/>
+                <a:ea typeface="Courier New" charset="0"/>
+                <a:cs typeface="Courier New" charset="0"/>
+              </a:rPr>
+              <a:t>walltime</a:t>
+            </a:r>
+            <a:endParaRPr lang="de-DE" sz="1800" dirty="0">
+              <a:latin typeface="Courier New" charset="0"/>
+              <a:ea typeface="Courier New" charset="0"/>
+              <a:cs typeface="Courier New" charset="0"/>
+            </a:endParaRPr>
+          </a:p>
+          <a:p>
+            <a:pPr marL="114300" indent="0">
+              <a:buNone/>
+            </a:pPr>
+            <a:r>
+              <a:rPr lang="de-DE" sz="1800" dirty="0">
+                <a:latin typeface="Courier New" charset="0"/>
+                <a:ea typeface="Courier New" charset="0"/>
+                <a:cs typeface="Courier New" charset="0"/>
+              </a:rPr>
+              <a:t>#SBATCH --job-name=</a:t>
+            </a:r>
+            <a:r>
+              <a:rPr lang="de-DE" sz="1800" dirty="0" err="1">
+                <a:latin typeface="Courier New" charset="0"/>
+                <a:ea typeface="Courier New" charset="0"/>
+                <a:cs typeface="Courier New" charset="0"/>
+              </a:rPr>
+              <a:t>R_code</a:t>
+            </a:r>
+            <a:r>
+              <a:rPr lang="de-DE" sz="1800" dirty="0">
+                <a:latin typeface="Courier New" charset="0"/>
+                <a:ea typeface="Courier New" charset="0"/>
+                <a:cs typeface="Courier New" charset="0"/>
+              </a:rPr>
+              <a:t>          # Job </a:t>
+            </a:r>
+            <a:r>
+              <a:rPr lang="de-DE" sz="1800" dirty="0" err="1">
+                <a:latin typeface="Courier New" charset="0"/>
+                <a:ea typeface="Courier New" charset="0"/>
+                <a:cs typeface="Courier New" charset="0"/>
+              </a:rPr>
+              <a:t>submission</a:t>
+            </a:r>
+            <a:r>
+              <a:rPr lang="de-DE" sz="1800" dirty="0">
+                <a:latin typeface="Courier New" charset="0"/>
+                <a:ea typeface="Courier New" charset="0"/>
+                <a:cs typeface="Courier New" charset="0"/>
+              </a:rPr>
+              <a:t> </a:t>
+            </a:r>
+            <a:r>
+              <a:rPr lang="de-DE" sz="1800" dirty="0" err="1">
+                <a:latin typeface="Courier New" charset="0"/>
+                <a:ea typeface="Courier New" charset="0"/>
+                <a:cs typeface="Courier New" charset="0"/>
+              </a:rPr>
+              <a:t>name</a:t>
+            </a:r>
+            <a:endParaRPr lang="de-DE" sz="1800" dirty="0">
+              <a:latin typeface="Courier New" charset="0"/>
+              <a:ea typeface="Courier New" charset="0"/>
+              <a:cs typeface="Courier New" charset="0"/>
+            </a:endParaRPr>
+          </a:p>
+          <a:p>
+            <a:pPr marL="114300" indent="0">
+              <a:buNone/>
+            </a:pPr>
+            <a:r>
+              <a:rPr lang="de-DE" sz="1800" dirty="0">
+                <a:latin typeface="Courier New" charset="0"/>
+                <a:ea typeface="Courier New" charset="0"/>
+                <a:cs typeface="Courier New" charset="0"/>
+              </a:rPr>
+              <a:t>#SBATCH --output=</a:t>
+            </a:r>
+            <a:r>
+              <a:rPr lang="de-DE" sz="1800" dirty="0" err="1">
+                <a:latin typeface="Courier New" charset="0"/>
+                <a:ea typeface="Courier New" charset="0"/>
+                <a:cs typeface="Courier New" charset="0"/>
+              </a:rPr>
+              <a:t>R_code.out</a:t>
+            </a:r>
+            <a:r>
+              <a:rPr lang="de-DE" sz="1800" dirty="0">
+                <a:latin typeface="Courier New" charset="0"/>
+                <a:ea typeface="Courier New" charset="0"/>
+                <a:cs typeface="Courier New" charset="0"/>
+              </a:rPr>
+              <a:t>        # Output </a:t>
+            </a:r>
+            <a:r>
+              <a:rPr lang="de-DE" sz="1800" dirty="0" err="1">
+                <a:latin typeface="Courier New" charset="0"/>
+                <a:ea typeface="Courier New" charset="0"/>
+                <a:cs typeface="Courier New" charset="0"/>
+              </a:rPr>
+              <a:t>file</a:t>
+            </a:r>
+            <a:r>
+              <a:rPr lang="de-DE" sz="1800" dirty="0">
+                <a:latin typeface="Courier New" charset="0"/>
+                <a:ea typeface="Courier New" charset="0"/>
+                <a:cs typeface="Courier New" charset="0"/>
+              </a:rPr>
+              <a:t> </a:t>
+            </a:r>
+            <a:r>
+              <a:rPr lang="de-DE" sz="1800" dirty="0" err="1">
+                <a:latin typeface="Courier New" charset="0"/>
+                <a:ea typeface="Courier New" charset="0"/>
+                <a:cs typeface="Courier New" charset="0"/>
+              </a:rPr>
+              <a:t>name</a:t>
+            </a:r>
+            <a:endParaRPr lang="de-DE" sz="1800" dirty="0">
+              <a:latin typeface="Courier New" charset="0"/>
+              <a:ea typeface="Courier New" charset="0"/>
+              <a:cs typeface="Courier New" charset="0"/>
+            </a:endParaRPr>
+          </a:p>
+          <a:p>
+            <a:pPr marL="114300" indent="0">
+              <a:buNone/>
+            </a:pPr>
+            <a:r>
+              <a:rPr lang="de-DE" sz="1800" dirty="0">
+                <a:latin typeface="Courier New" charset="0"/>
+                <a:ea typeface="Courier New" charset="0"/>
+                <a:cs typeface="Courier New" charset="0"/>
+              </a:rPr>
+              <a:t>#SBATCH --reservation=</a:t>
+            </a:r>
+            <a:r>
+              <a:rPr lang="de-DE" sz="1800" dirty="0" err="1">
+                <a:latin typeface="Courier New" charset="0"/>
+                <a:ea typeface="Courier New" charset="0"/>
+                <a:cs typeface="Courier New" charset="0"/>
+              </a:rPr>
+              <a:t>scbasics</a:t>
+            </a:r>
+            <a:r>
+              <a:rPr lang="de-DE" sz="1800" dirty="0">
+                <a:latin typeface="Courier New" charset="0"/>
+                <a:ea typeface="Courier New" charset="0"/>
+                <a:cs typeface="Courier New" charset="0"/>
+              </a:rPr>
+              <a:t>     # Reservation - will </a:t>
+            </a:r>
+            <a:r>
+              <a:rPr lang="de-DE" sz="1800" dirty="0" err="1">
+                <a:latin typeface="Courier New" charset="0"/>
+                <a:ea typeface="Courier New" charset="0"/>
+                <a:cs typeface="Courier New" charset="0"/>
+              </a:rPr>
+              <a:t>only</a:t>
+            </a:r>
+            <a:r>
+              <a:rPr lang="de-DE" sz="1800" dirty="0">
+                <a:latin typeface="Courier New" charset="0"/>
+                <a:ea typeface="Courier New" charset="0"/>
+                <a:cs typeface="Courier New" charset="0"/>
+              </a:rPr>
+              <a:t> </a:t>
+            </a:r>
+            <a:r>
+              <a:rPr lang="de-DE" sz="1800" dirty="0" err="1">
+                <a:latin typeface="Courier New" charset="0"/>
+                <a:ea typeface="Courier New" charset="0"/>
+                <a:cs typeface="Courier New" charset="0"/>
+              </a:rPr>
+              <a:t>work</a:t>
+            </a:r>
+            <a:r>
+              <a:rPr lang="de-DE" sz="1800" dirty="0">
+                <a:latin typeface="Courier New" charset="0"/>
+                <a:ea typeface="Courier New" charset="0"/>
+                <a:cs typeface="Courier New" charset="0"/>
+              </a:rPr>
+              <a:t> </a:t>
+            </a:r>
+            <a:r>
+              <a:rPr lang="de-DE" sz="1800" dirty="0" err="1">
+                <a:latin typeface="Courier New" charset="0"/>
+                <a:ea typeface="Courier New" charset="0"/>
+                <a:cs typeface="Courier New" charset="0"/>
+              </a:rPr>
+              <a:t>during</a:t>
+            </a:r>
+            <a:r>
+              <a:rPr lang="de-DE" sz="1800" dirty="0">
+                <a:latin typeface="Courier New" charset="0"/>
+                <a:ea typeface="Courier New" charset="0"/>
+                <a:cs typeface="Courier New" charset="0"/>
+              </a:rPr>
+              <a:t> </a:t>
+            </a:r>
+            <a:r>
+              <a:rPr lang="de-DE" sz="1800" dirty="0" err="1">
+                <a:latin typeface="Courier New" charset="0"/>
+                <a:ea typeface="Courier New" charset="0"/>
+                <a:cs typeface="Courier New" charset="0"/>
+              </a:rPr>
+              <a:t>workshop</a:t>
+            </a:r>
+            <a:endParaRPr lang="de-DE" sz="1800" dirty="0">
+              <a:latin typeface="Courier New" charset="0"/>
+              <a:ea typeface="Courier New" charset="0"/>
+              <a:cs typeface="Courier New" charset="0"/>
+            </a:endParaRPr>
+          </a:p>
+          <a:p>
+            <a:pPr marL="114300" indent="0">
+              <a:buNone/>
+            </a:pPr>
+            <a:endParaRPr lang="de-DE" sz="1800" dirty="0">
+              <a:latin typeface="Courier New" charset="0"/>
+              <a:ea typeface="Courier New" charset="0"/>
+              <a:cs typeface="Courier New" charset="0"/>
+            </a:endParaRPr>
+          </a:p>
+          <a:p>
+            <a:pPr marL="114300" indent="0">
+              <a:buNone/>
+            </a:pPr>
+            <a:endParaRPr lang="de-DE" sz="1800" dirty="0">
+              <a:latin typeface="Courier New" charset="0"/>
+              <a:ea typeface="Courier New" charset="0"/>
+              <a:cs typeface="Courier New" charset="0"/>
+            </a:endParaRPr>
+          </a:p>
+          <a:p>
+            <a:pPr marL="114300" indent="0">
+              <a:buNone/>
+            </a:pPr>
+            <a:r>
+              <a:rPr lang="de-DE" sz="1800" dirty="0" err="1">
+                <a:latin typeface="Courier New" charset="0"/>
+                <a:ea typeface="Courier New" charset="0"/>
+                <a:cs typeface="Courier New" charset="0"/>
+              </a:rPr>
+              <a:t>Rscript</a:t>
+            </a:r>
+            <a:r>
+              <a:rPr lang="de-DE" sz="1800" dirty="0">
+                <a:latin typeface="Courier New" charset="0"/>
+                <a:ea typeface="Courier New" charset="0"/>
+                <a:cs typeface="Courier New" charset="0"/>
+              </a:rPr>
+              <a:t> </a:t>
+            </a:r>
+            <a:r>
+              <a:rPr lang="de-DE" sz="1800" dirty="0" err="1">
+                <a:latin typeface="Courier New" charset="0"/>
+                <a:ea typeface="Courier New" charset="0"/>
+                <a:cs typeface="Courier New" charset="0"/>
+              </a:rPr>
+              <a:t>R_program.R</a:t>
+            </a:r>
+            <a:endParaRPr lang="en-US" sz="1800" dirty="0" smtClean="0">
+              <a:latin typeface="Courier New" charset="0"/>
+              <a:ea typeface="Courier New" charset="0"/>
+              <a:cs typeface="Courier New" charset="0"/>
+            </a:endParaRPr>
+          </a:p>
+        </p:txBody>
+      </p:sp>
+      <p:sp>
+        <p:nvSpPr>
+          <p:cNvPr id="4" name="Date Placeholder 3"/>
+          <p:cNvSpPr>
+            <a:spLocks noGrp="1"/>
+          </p:cNvSpPr>
+          <p:nvPr>
+            <p:ph type="dt" sz="half" idx="10"/>
+          </p:nvPr>
+        </p:nvSpPr>
+        <p:spPr/>
+        <p:txBody>
+          <a:bodyPr/>
+          <a:lstStyle/>
+          <a:p>
+            <a:fld id="{88C52C92-F66E-3F42-A0C5-49F4D61A5160}" type="datetime1">
+              <a:rPr lang="en-US" smtClean="0"/>
+              <a:t>7/16/16</a:t>
+            </a:fld>
+            <a:endParaRPr lang="en-US"/>
+          </a:p>
+        </p:txBody>
+      </p:sp>
+      <p:sp>
+        <p:nvSpPr>
+          <p:cNvPr id="8" name="Footer Placeholder 7"/>
+          <p:cNvSpPr>
+            <a:spLocks noGrp="1"/>
+          </p:cNvSpPr>
+          <p:nvPr>
+            <p:ph type="ftr" sz="quarter" idx="11"/>
+          </p:nvPr>
+        </p:nvSpPr>
+        <p:spPr/>
+        <p:txBody>
+          <a:bodyPr/>
+          <a:lstStyle/>
+          <a:p>
+            <a:r>
+              <a:rPr lang="en-US" smtClean="0"/>
+              <a:t>Basics of Supercomputing</a:t>
+            </a:r>
+            <a:endParaRPr lang="en-US"/>
+          </a:p>
+        </p:txBody>
+      </p:sp>
+      <p:sp>
+        <p:nvSpPr>
+          <p:cNvPr id="5" name="Slide Number Placeholder 4"/>
+          <p:cNvSpPr>
+            <a:spLocks noGrp="1"/>
+          </p:cNvSpPr>
+          <p:nvPr>
+            <p:ph type="sldNum" sz="quarter" idx="4"/>
+          </p:nvPr>
+        </p:nvSpPr>
+        <p:spPr/>
+        <p:txBody>
+          <a:bodyPr/>
+          <a:lstStyle/>
+          <a:p>
+            <a:fld id="{249E94F7-107C-CE46-8C56-9CACFF99CD93}" type="slidenum">
+              <a:rPr lang="en-US" smtClean="0"/>
+              <a:pPr/>
+              <a:t>21</a:t>
+            </a:fld>
+            <a:endParaRPr lang="en-US" dirty="0"/>
+          </a:p>
+        </p:txBody>
+      </p:sp>
+    </p:spTree>
+    <p:extLst>
+      <p:ext uri="{BB962C8B-B14F-4D97-AF65-F5344CB8AC3E}">
+        <p14:creationId xmlns:p14="http://schemas.microsoft.com/office/powerpoint/2010/main" val="2027917261"/>
+      </p:ext>
+    </p:extLst>
+  </p:cSld>
+  <p:clrMapOvr>
+    <a:masterClrMapping/>
+  </p:clrMapOvr>
+  <p:timing>
+    <p:tnLst>
+      <p:par>
+        <p:cTn id="1" dur="indefinite" restart="never" nodeType="tmRoot"/>
+      </p:par>
+    </p:tnLst>
+  </p:timing>
+</p:sld>
+</file>
+
+<file path=ppt/slides/slide22.xml><?xml version="1.0" encoding="utf-8"?>
+<p:sld xmlns:a="http://schemas.openxmlformats.org/drawingml/2006/main" xmlns:r="http://schemas.openxmlformats.org/officeDocument/2006/relationships" xmlns:p="http://schemas.openxmlformats.org/presentationml/2006/main">
+  <p:cSld>
+    <p:spTree>
+      <p:nvGrpSpPr>
+        <p:cNvPr id="1" name=""/>
+        <p:cNvGrpSpPr/>
+        <p:nvPr/>
+      </p:nvGrpSpPr>
+      <p:grpSpPr>
+        <a:xfrm>
+          <a:off x="0" y="0"/>
+          <a:ext cx="0" cy="0"/>
+          <a:chOff x="0" y="0"/>
+          <a:chExt cx="0" cy="0"/>
+        </a:xfrm>
+      </p:grpSpPr>
+      <p:sp>
+        <p:nvSpPr>
+          <p:cNvPr id="6" name="Title 5"/>
+          <p:cNvSpPr>
+            <a:spLocks noGrp="1"/>
+          </p:cNvSpPr>
+          <p:nvPr>
+            <p:ph type="title"/>
+          </p:nvPr>
+        </p:nvSpPr>
+        <p:spPr/>
+        <p:txBody>
+          <a:bodyPr/>
+          <a:lstStyle/>
+          <a:p>
+            <a:r>
+              <a:rPr lang="en-US" dirty="0" smtClean="0"/>
+              <a:t>Solution – </a:t>
+            </a:r>
+            <a:r>
+              <a:rPr lang="en-US" dirty="0" err="1" smtClean="0"/>
+              <a:t>R_program.R</a:t>
+            </a:r>
+            <a:endParaRPr lang="en-US" dirty="0"/>
+          </a:p>
+        </p:txBody>
+      </p:sp>
+      <p:sp>
+        <p:nvSpPr>
+          <p:cNvPr id="7" name="Content Placeholder 6"/>
+          <p:cNvSpPr>
+            <a:spLocks noGrp="1"/>
+          </p:cNvSpPr>
+          <p:nvPr>
+            <p:ph idx="1"/>
+          </p:nvPr>
+        </p:nvSpPr>
+        <p:spPr>
+          <a:xfrm>
+            <a:off x="0" y="1712891"/>
+            <a:ext cx="9114493" cy="4443210"/>
+          </a:xfrm>
+        </p:spPr>
+        <p:txBody>
+          <a:bodyPr>
+            <a:normAutofit/>
+          </a:bodyPr>
+          <a:lstStyle/>
+          <a:p>
+            <a:pPr marL="114300" indent="0">
+              <a:buNone/>
+            </a:pPr>
+            <a:r>
+              <a:rPr lang="en-US" sz="1800" dirty="0">
+                <a:latin typeface="Courier New" charset="0"/>
+                <a:ea typeface="Courier New" charset="0"/>
+                <a:cs typeface="Courier New" charset="0"/>
+              </a:rPr>
+              <a:t>#Simple R code example by Shelley Knuth (</a:t>
+            </a:r>
+            <a:r>
+              <a:rPr lang="en-US" sz="1800" dirty="0" err="1">
+                <a:latin typeface="Courier New" charset="0"/>
+                <a:ea typeface="Courier New" charset="0"/>
+                <a:cs typeface="Courier New" charset="0"/>
+              </a:rPr>
+              <a:t>shelley.knuth@colorado.edu</a:t>
+            </a:r>
+            <a:r>
+              <a:rPr lang="en-US" sz="1800" dirty="0">
+                <a:latin typeface="Courier New" charset="0"/>
+                <a:ea typeface="Courier New" charset="0"/>
+                <a:cs typeface="Courier New" charset="0"/>
+              </a:rPr>
+              <a:t>)</a:t>
+            </a:r>
+          </a:p>
+          <a:p>
+            <a:pPr marL="114300" indent="0">
+              <a:buNone/>
+            </a:pPr>
+            <a:endParaRPr lang="en-US" sz="1800" dirty="0">
+              <a:latin typeface="Courier New" charset="0"/>
+              <a:ea typeface="Courier New" charset="0"/>
+              <a:cs typeface="Courier New" charset="0"/>
+            </a:endParaRPr>
+          </a:p>
+          <a:p>
+            <a:pPr marL="114300" indent="0">
+              <a:buNone/>
+            </a:pPr>
+            <a:r>
+              <a:rPr lang="en-US" sz="1800" dirty="0">
+                <a:latin typeface="Courier New" charset="0"/>
+                <a:ea typeface="Courier New" charset="0"/>
+                <a:cs typeface="Courier New" charset="0"/>
+              </a:rPr>
+              <a:t># Create vector</a:t>
+            </a:r>
+          </a:p>
+          <a:p>
+            <a:pPr marL="114300" indent="0">
+              <a:buNone/>
+            </a:pPr>
+            <a:r>
+              <a:rPr lang="en-US" sz="1800" dirty="0">
+                <a:latin typeface="Courier New" charset="0"/>
+                <a:ea typeface="Courier New" charset="0"/>
+                <a:cs typeface="Courier New" charset="0"/>
+              </a:rPr>
+              <a:t>planets &lt;- c("Mercury", "Venus", "Earth", "Mars", "Jupiter", "Saturn", "Uranus", "Neptune", "Pluto")</a:t>
+            </a:r>
+          </a:p>
+          <a:p>
+            <a:pPr marL="114300" indent="0">
+              <a:buNone/>
+            </a:pPr>
+            <a:endParaRPr lang="en-US" sz="1800" dirty="0">
+              <a:latin typeface="Courier New" charset="0"/>
+              <a:ea typeface="Courier New" charset="0"/>
+              <a:cs typeface="Courier New" charset="0"/>
+            </a:endParaRPr>
+          </a:p>
+          <a:p>
+            <a:pPr marL="114300" indent="0">
+              <a:buNone/>
+            </a:pPr>
+            <a:r>
+              <a:rPr lang="en-US" sz="1800" dirty="0">
+                <a:latin typeface="Courier New" charset="0"/>
+                <a:ea typeface="Courier New" charset="0"/>
+                <a:cs typeface="Courier New" charset="0"/>
+              </a:rPr>
+              <a:t># Print off vector</a:t>
+            </a:r>
+          </a:p>
+          <a:p>
+            <a:pPr marL="114300" indent="0">
+              <a:buNone/>
+            </a:pPr>
+            <a:r>
+              <a:rPr lang="en-US" sz="1800" dirty="0">
+                <a:latin typeface="Courier New" charset="0"/>
+                <a:ea typeface="Courier New" charset="0"/>
+                <a:cs typeface="Courier New" charset="0"/>
+              </a:rPr>
+              <a:t>planets</a:t>
+            </a:r>
+            <a:endParaRPr lang="en-US" sz="1800" dirty="0" smtClean="0">
+              <a:latin typeface="Courier New" charset="0"/>
+              <a:ea typeface="Courier New" charset="0"/>
+              <a:cs typeface="Courier New" charset="0"/>
+            </a:endParaRPr>
+          </a:p>
+        </p:txBody>
+      </p:sp>
+      <p:sp>
+        <p:nvSpPr>
+          <p:cNvPr id="4" name="Date Placeholder 3"/>
+          <p:cNvSpPr>
+            <a:spLocks noGrp="1"/>
+          </p:cNvSpPr>
+          <p:nvPr>
+            <p:ph type="dt" sz="half" idx="10"/>
+          </p:nvPr>
+        </p:nvSpPr>
+        <p:spPr/>
+        <p:txBody>
+          <a:bodyPr/>
+          <a:lstStyle/>
+          <a:p>
+            <a:fld id="{88C52C92-F66E-3F42-A0C5-49F4D61A5160}" type="datetime1">
+              <a:rPr lang="en-US" smtClean="0"/>
+              <a:t>7/16/16</a:t>
+            </a:fld>
+            <a:endParaRPr lang="en-US"/>
+          </a:p>
+        </p:txBody>
+      </p:sp>
+      <p:sp>
+        <p:nvSpPr>
+          <p:cNvPr id="8" name="Footer Placeholder 7"/>
+          <p:cNvSpPr>
+            <a:spLocks noGrp="1"/>
+          </p:cNvSpPr>
+          <p:nvPr>
+            <p:ph type="ftr" sz="quarter" idx="11"/>
+          </p:nvPr>
+        </p:nvSpPr>
+        <p:spPr/>
+        <p:txBody>
+          <a:bodyPr/>
+          <a:lstStyle/>
+          <a:p>
+            <a:r>
+              <a:rPr lang="en-US" smtClean="0"/>
+              <a:t>Basics of Supercomputing</a:t>
+            </a:r>
+            <a:endParaRPr lang="en-US"/>
+          </a:p>
+        </p:txBody>
+      </p:sp>
+      <p:sp>
+        <p:nvSpPr>
+          <p:cNvPr id="5" name="Slide Number Placeholder 4"/>
+          <p:cNvSpPr>
+            <a:spLocks noGrp="1"/>
+          </p:cNvSpPr>
+          <p:nvPr>
+            <p:ph type="sldNum" sz="quarter" idx="4"/>
+          </p:nvPr>
+        </p:nvSpPr>
+        <p:spPr/>
+        <p:txBody>
+          <a:bodyPr/>
+          <a:lstStyle/>
+          <a:p>
+            <a:fld id="{249E94F7-107C-CE46-8C56-9CACFF99CD93}" type="slidenum">
+              <a:rPr lang="en-US" smtClean="0"/>
+              <a:pPr/>
+              <a:t>22</a:t>
+            </a:fld>
+            <a:endParaRPr lang="en-US" dirty="0"/>
+          </a:p>
+        </p:txBody>
+      </p:sp>
+    </p:spTree>
+    <p:extLst>
+      <p:ext uri="{BB962C8B-B14F-4D97-AF65-F5344CB8AC3E}">
+        <p14:creationId xmlns:p14="http://schemas.microsoft.com/office/powerpoint/2010/main" val="885796570"/>
+      </p:ext>
+    </p:extLst>
+  </p:cSld>
+  <p:clrMapOvr>
+    <a:masterClrMapping/>
+  </p:clrMapOvr>
+  <p:timing>
+    <p:tnLst>
+      <p:par>
+        <p:cTn id="1" dur="indefinite" restart="never" nodeType="tmRoot"/>
+      </p:par>
+    </p:tnLst>
+  </p:timing>
+</p:sld>
+</file>
+
+<file path=ppt/slides/slide23.xml><?xml version="1.0" encoding="utf-8"?>
+<p:sld xmlns:a="http://schemas.openxmlformats.org/drawingml/2006/main" xmlns:r="http://schemas.openxmlformats.org/officeDocument/2006/relationships" xmlns:p="http://schemas.openxmlformats.org/presentationml/2006/main">
+  <p:cSld>
+    <p:spTree>
+      <p:nvGrpSpPr>
+        <p:cNvPr id="1" name=""/>
+        <p:cNvGrpSpPr/>
+        <p:nvPr/>
+      </p:nvGrpSpPr>
+      <p:grpSpPr>
+        <a:xfrm>
+          <a:off x="0" y="0"/>
+          <a:ext cx="0" cy="0"/>
+          <a:chOff x="0" y="0"/>
+          <a:chExt cx="0" cy="0"/>
+        </a:xfrm>
+      </p:grpSpPr>
+      <p:sp>
+        <p:nvSpPr>
           <p:cNvPr id="2" name="Title 1"/>
           <p:cNvSpPr>
             <a:spLocks noGrp="1"/>
@@ -7031,7 +8074,7 @@
             <a:fld id="{249E94F7-107C-CE46-8C56-9CACFF99CD93}" type="slidenum">
               <a:rPr lang="en-US" smtClean="0"/>
               <a:pPr/>
-              <a:t>21</a:t>
+              <a:t>23</a:t>
             </a:fld>
             <a:endParaRPr lang="en-US" dirty="0"/>
           </a:p>

--- a/Basics_Supercomputing/submitting_jobs_supercomputer.pptx
+++ b/Basics_Supercomputing/submitting_jobs_supercomputer.pptx
@@ -233,7 +233,7 @@
           <a:p>
             <a:fld id="{595B738E-61D3-FF43-9AAF-3D2023FB1DC3}" type="datetimeFigureOut">
               <a:rPr lang="en-US" smtClean="0"/>
-              <a:t>7/15/16</a:t>
+              <a:t>7/17/16</a:t>
             </a:fld>
             <a:endParaRPr lang="en-US"/>
           </a:p>
@@ -399,7 +399,7 @@
           <a:p>
             <a:fld id="{7BBD8333-6779-F842-8F4E-BFED34008A7A}" type="datetimeFigureOut">
               <a:rPr lang="en-US" smtClean="0"/>
-              <a:t>7/15/16</a:t>
+              <a:t>7/17/16</a:t>
             </a:fld>
             <a:endParaRPr lang="en-US"/>
           </a:p>
@@ -1870,7 +1870,7 @@
           <a:p>
             <a:fld id="{60D252CB-3753-F44A-9FF0-B67270247D1C}" type="datetime1">
               <a:rPr lang="en-US" smtClean="0"/>
-              <a:t>7/15/16</a:t>
+              <a:t>7/17/16</a:t>
             </a:fld>
             <a:endParaRPr lang="en-US" dirty="0"/>
           </a:p>
@@ -2060,7 +2060,7 @@
           <a:p>
             <a:fld id="{458ABAA4-74E3-0245-9FDE-7BD19B71E311}" type="datetime1">
               <a:rPr lang="en-US" smtClean="0"/>
-              <a:t>7/15/16</a:t>
+              <a:t>7/17/16</a:t>
             </a:fld>
             <a:endParaRPr lang="en-US" dirty="0"/>
           </a:p>
@@ -2198,7 +2198,7 @@
           <a:p>
             <a:fld id="{0338510A-67B1-874A-9762-7F28D93F254A}" type="datetime1">
               <a:rPr lang="en-US" smtClean="0"/>
-              <a:t>7/15/16</a:t>
+              <a:t>7/17/16</a:t>
             </a:fld>
             <a:endParaRPr lang="en-US" dirty="0"/>
           </a:p>
@@ -2755,7 +2755,7 @@
           <a:p>
             <a:fld id="{8E2C1EAC-01C4-ED42-B572-6396F88A8A47}" type="datetime1">
               <a:rPr lang="en-US" smtClean="0"/>
-              <a:t>7/15/16</a:t>
+              <a:t>7/17/16</a:t>
             </a:fld>
             <a:endParaRPr lang="en-US" dirty="0"/>
           </a:p>
@@ -3222,13 +3222,13 @@
         </p:nvSpPr>
         <p:spPr>
           <a:xfrm>
-            <a:off x="1226820" y="3801836"/>
-            <a:ext cx="6461760" cy="2400300"/>
+            <a:off x="685800" y="3801836"/>
+            <a:ext cx="7955280" cy="2400300"/>
           </a:xfrm>
         </p:spPr>
         <p:txBody>
           <a:bodyPr>
-            <a:normAutofit fontScale="85000" lnSpcReduction="10000"/>
+            <a:normAutofit fontScale="77500" lnSpcReduction="20000"/>
           </a:bodyPr>
           <a:lstStyle/>
           <a:p>
@@ -3323,12 +3323,13 @@
               <a:rPr lang="en-US" dirty="0" smtClean="0">
                 <a:hlinkClick r:id="rId6"/>
               </a:rPr>
-              <a:t>goo.gl/forms/8VidcwOhRT</a:t>
-            </a:r>
-            <a:r>
-              <a:rPr lang="en-US" dirty="0" smtClean="0"/>
-              <a:t> </a:t>
-            </a:r>
+              <a:t>tinyurl.com/rcpresurvey</a:t>
+            </a:r>
+            <a:r>
+              <a:rPr lang="en-US" dirty="0" smtClean="0"/>
+              <a:t>  </a:t>
+            </a:r>
+            <a:endParaRPr lang="en-US" dirty="0" smtClean="0"/>
           </a:p>
           <a:p>
             <a:pPr algn="ctr"/>
@@ -3358,15 +3359,12 @@
               <a:rPr lang="en-US" dirty="0" smtClean="0">
                 <a:hlinkClick r:id="rId7"/>
               </a:rPr>
-              <a:t>github.com/ResearchComputing/Final_Tutorials</a:t>
+              <a:t>github.com/ResearchComputing/Final_Tutorials/tree/master/Basics_Supercomputing</a:t>
             </a:r>
             <a:r>
               <a:rPr lang="en-US" dirty="0" smtClean="0"/>
               <a:t> </a:t>
             </a:r>
-          </a:p>
-          <a:p>
-            <a:pPr algn="ctr"/>
             <a:endParaRPr lang="en-US" dirty="0"/>
           </a:p>
         </p:txBody>
@@ -3388,7 +3386,7 @@
           <a:p>
             <a:fld id="{83675C51-F26A-A844-B0EB-31C0FDE9775F}" type="datetime1">
               <a:rPr lang="en-US" smtClean="0"/>
-              <a:t>7/15/16</a:t>
+              <a:t>7/17/16</a:t>
             </a:fld>
             <a:endParaRPr lang="en-US" dirty="0"/>
           </a:p>
@@ -3571,7 +3569,7 @@
           <a:p>
             <a:fld id="{458ABAA4-74E3-0245-9FDE-7BD19B71E311}" type="datetime1">
               <a:rPr lang="en-US" smtClean="0"/>
-              <a:t>7/15/16</a:t>
+              <a:t>7/17/16</a:t>
             </a:fld>
             <a:endParaRPr lang="en-US" dirty="0"/>
           </a:p>
@@ -4197,7 +4195,7 @@
           <a:p>
             <a:fld id="{88C52C92-F66E-3F42-A0C5-49F4D61A5160}" type="datetime1">
               <a:rPr lang="en-US" smtClean="0"/>
-              <a:t>7/15/16</a:t>
+              <a:t>7/17/16</a:t>
             </a:fld>
             <a:endParaRPr lang="en-US"/>
           </a:p>
@@ -4381,7 +4379,7 @@
           <a:p>
             <a:fld id="{458ABAA4-74E3-0245-9FDE-7BD19B71E311}" type="datetime1">
               <a:rPr lang="en-US" smtClean="0"/>
-              <a:t>7/15/16</a:t>
+              <a:t>7/17/16</a:t>
             </a:fld>
             <a:endParaRPr lang="en-US" dirty="0"/>
           </a:p>
@@ -4560,7 +4558,7 @@
           <a:p>
             <a:fld id="{458ABAA4-74E3-0245-9FDE-7BD19B71E311}" type="datetime1">
               <a:rPr lang="en-US" smtClean="0"/>
-              <a:t>7/15/16</a:t>
+              <a:t>7/17/16</a:t>
             </a:fld>
             <a:endParaRPr lang="en-US" dirty="0"/>
           </a:p>
@@ -4808,7 +4806,7 @@
           <a:p>
             <a:fld id="{458ABAA4-74E3-0245-9FDE-7BD19B71E311}" type="datetime1">
               <a:rPr lang="en-US" smtClean="0"/>
-              <a:t>7/15/16</a:t>
+              <a:t>7/17/16</a:t>
             </a:fld>
             <a:endParaRPr lang="en-US" dirty="0"/>
           </a:p>
@@ -5110,7 +5108,7 @@
           <a:p>
             <a:fld id="{458ABAA4-74E3-0245-9FDE-7BD19B71E311}" type="datetime1">
               <a:rPr lang="en-US" smtClean="0"/>
-              <a:t>7/15/16</a:t>
+              <a:t>7/17/16</a:t>
             </a:fld>
             <a:endParaRPr lang="en-US" dirty="0"/>
           </a:p>
@@ -5293,7 +5291,6 @@
               <a:rPr lang="en-US" dirty="0" smtClean="0"/>
               <a:t>Don’t forget to exit!</a:t>
             </a:r>
-            <a:endParaRPr lang="en-US" dirty="0" smtClean="0"/>
           </a:p>
         </p:txBody>
       </p:sp>
@@ -5314,7 +5311,7 @@
           <a:p>
             <a:fld id="{8AAB95EE-F5B9-AD42-8A38-96238826F65B}" type="datetime1">
               <a:rPr lang="en-US" smtClean="0"/>
-              <a:t>7/15/16</a:t>
+              <a:t>7/17/16</a:t>
             </a:fld>
             <a:endParaRPr lang="en-US"/>
           </a:p>
@@ -5506,7 +5503,7 @@
           <a:p>
             <a:fld id="{458ABAA4-74E3-0245-9FDE-7BD19B71E311}" type="datetime1">
               <a:rPr lang="en-US" smtClean="0"/>
-              <a:t>7/15/16</a:t>
+              <a:t>7/17/16</a:t>
             </a:fld>
             <a:endParaRPr lang="en-US" dirty="0"/>
           </a:p>
@@ -5854,7 +5851,7 @@
           <a:p>
             <a:fld id="{F54B9CA1-8D0D-5A46-BE33-6FD8C36F6AE6}" type="datetime1">
               <a:rPr lang="en-US" smtClean="0"/>
-              <a:t>7/16/16</a:t>
+              <a:t>7/17/16</a:t>
             </a:fld>
             <a:endParaRPr lang="en-US"/>
           </a:p>
@@ -5998,11 +5995,7 @@
             </a:r>
             <a:r>
               <a:rPr lang="en-US" dirty="0" err="1" smtClean="0"/>
-              <a:t>matlab</a:t>
-            </a:r>
-            <a:r>
-              <a:rPr lang="en-US" dirty="0" err="1" smtClean="0"/>
-              <a:t>.sh</a:t>
+              <a:t>matlab.sh</a:t>
             </a:r>
             <a:r>
               <a:rPr lang="en-US" dirty="0" smtClean="0"/>
@@ -6490,7 +6483,7 @@
           <a:p>
             <a:fld id="{F54B9CA1-8D0D-5A46-BE33-6FD8C36F6AE6}" type="datetime1">
               <a:rPr lang="en-US" smtClean="0"/>
-              <a:t>7/16/16</a:t>
+              <a:t>7/17/16</a:t>
             </a:fld>
             <a:endParaRPr lang="en-US"/>
           </a:p>
@@ -6667,7 +6660,7 @@
           <a:p>
             <a:fld id="{458ABAA4-74E3-0245-9FDE-7BD19B71E311}" type="datetime1">
               <a:rPr lang="en-US" smtClean="0"/>
-              <a:t>7/15/16</a:t>
+              <a:t>7/17/16</a:t>
             </a:fld>
             <a:endParaRPr lang="en-US" dirty="0"/>
           </a:p>
@@ -6978,7 +6971,6 @@
               <a:rPr lang="en-US" dirty="0" smtClean="0"/>
               <a:t>node</a:t>
             </a:r>
-            <a:endParaRPr lang="en-US" dirty="0" smtClean="0"/>
           </a:p>
           <a:p>
             <a:pPr marL="571500" indent="-457200">
@@ -7036,7 +7028,6 @@
               <a:rPr lang="en-US" dirty="0" smtClean="0"/>
               <a:t>Hint:  Requires two SBATCH options to do this</a:t>
             </a:r>
-            <a:endParaRPr lang="en-US" dirty="0" smtClean="0"/>
           </a:p>
           <a:p>
             <a:pPr marL="571500" indent="-457200">
@@ -7077,7 +7068,7 @@
           <a:p>
             <a:fld id="{8AAB95EE-F5B9-AD42-8A38-96238826F65B}" type="datetime1">
               <a:rPr lang="en-US" smtClean="0"/>
-              <a:t>7/16/16</a:t>
+              <a:t>7/17/16</a:t>
             </a:fld>
             <a:endParaRPr lang="en-US"/>
           </a:p>
@@ -7546,7 +7537,7 @@
           <a:p>
             <a:fld id="{88C52C92-F66E-3F42-A0C5-49F4D61A5160}" type="datetime1">
               <a:rPr lang="en-US" smtClean="0"/>
-              <a:t>7/16/16</a:t>
+              <a:t>7/17/16</a:t>
             </a:fld>
             <a:endParaRPr lang="en-US"/>
           </a:p>
@@ -7809,7 +7800,7 @@
           <a:p>
             <a:fld id="{88C52C92-F66E-3F42-A0C5-49F4D61A5160}" type="datetime1">
               <a:rPr lang="en-US" smtClean="0"/>
-              <a:t>7/16/16</a:t>
+              <a:t>7/17/16</a:t>
             </a:fld>
             <a:endParaRPr lang="en-US"/>
           </a:p>
@@ -7968,18 +7959,30 @@
               <a:rPr lang="en-US" dirty="0"/>
               <a:t>Link to survey on this topic:  </a:t>
             </a:r>
+            <a:endParaRPr lang="en-US" dirty="0"/>
+          </a:p>
+          <a:p>
+            <a:pPr marL="114300" indent="0">
+              <a:buNone/>
+            </a:pPr>
+            <a:r>
+              <a:rPr lang="en-US" dirty="0" smtClean="0">
+                <a:hlinkClick r:id="rId3"/>
+              </a:rPr>
+              <a:t>http</a:t>
+            </a:r>
             <a:r>
               <a:rPr lang="en-US" dirty="0">
                 <a:hlinkClick r:id="rId3"/>
               </a:rPr>
-              <a:t>http://</a:t>
-            </a:r>
-            <a:r>
-              <a:rPr lang="en-US" dirty="0" smtClean="0">
-                <a:hlinkClick r:id="rId3"/>
-              </a:rPr>
-              <a:t>goo.gl/forms/8VidcwOhRT</a:t>
-            </a:r>
+              <a:t>://tinyurl.com/curc-survey16</a:t>
+            </a:r>
+            <a:r>
+              <a:rPr lang="en-US" dirty="0"/>
+              <a:t>  </a:t>
+            </a:r>
+          </a:p>
+          <a:p>
             <a:endParaRPr lang="en-US" dirty="0" smtClean="0"/>
           </a:p>
           <a:p>
@@ -8000,11 +8003,11 @@
               <a:rPr lang="en-US" dirty="0" smtClean="0">
                 <a:hlinkClick r:id="rId4"/>
               </a:rPr>
-              <a:t>github.com/ResearchComputing/Final_Tutorials</a:t>
-            </a:r>
-            <a:r>
-              <a:rPr lang="en-US" smtClean="0"/>
-              <a:t> </a:t>
+              <a:t>github.com/ResearchComputing/Final_Tutorials/tree/master/Basics_Supercomputing</a:t>
+            </a:r>
+            <a:r>
+              <a:rPr lang="en-US" dirty="0" smtClean="0"/>
+              <a:t>  </a:t>
             </a:r>
             <a:endParaRPr lang="en-US" dirty="0"/>
           </a:p>
@@ -8027,7 +8030,7 @@
           <a:p>
             <a:fld id="{7E1CAACC-F82F-BF4F-B0F1-61A165586382}" type="datetime1">
               <a:rPr lang="en-US" smtClean="0"/>
-              <a:t>7/15/16</a:t>
+              <a:t>7/17/16</a:t>
             </a:fld>
             <a:endParaRPr lang="en-US" dirty="0"/>
           </a:p>
@@ -8282,7 +8285,7 @@
           <a:p>
             <a:fld id="{85578CC7-E869-3644-9623-1911B01EF1A3}" type="datetime1">
               <a:rPr lang="en-US" smtClean="0"/>
-              <a:t>7/15/16</a:t>
+              <a:t>7/17/16</a:t>
             </a:fld>
             <a:endParaRPr lang="en-US" dirty="0"/>
           </a:p>
@@ -8394,7 +8397,7 @@
           <a:p>
             <a:fld id="{5AF9657A-DD4B-7244-998C-579AEBD58B1E}" type="datetime1">
               <a:rPr lang="en-US" smtClean="0"/>
-              <a:t>7/15/16</a:t>
+              <a:t>7/17/16</a:t>
             </a:fld>
             <a:endParaRPr lang="en-US" dirty="0"/>
           </a:p>
@@ -8555,19 +8558,7 @@
             </a:pPr>
             <a:r>
               <a:rPr lang="en-US" dirty="0" smtClean="0"/>
-              <a:t>The </a:t>
-            </a:r>
-            <a:r>
-              <a:rPr lang="en-US" dirty="0" smtClean="0"/>
-              <a:t>job </a:t>
-            </a:r>
-            <a:r>
-              <a:rPr lang="en-US" dirty="0" smtClean="0"/>
-              <a:t>will </a:t>
-            </a:r>
-            <a:r>
-              <a:rPr lang="en-US" dirty="0" smtClean="0"/>
-              <a:t>be submitted from a bash script named </a:t>
+              <a:t>The job will be submitted from a bash script named </a:t>
             </a:r>
             <a:r>
               <a:rPr lang="en-US" dirty="0" err="1" smtClean="0"/>
@@ -8588,7 +8579,6 @@
               <a:rPr lang="en-US" dirty="0" smtClean="0"/>
               <a:t>node</a:t>
             </a:r>
-            <a:endParaRPr lang="en-US" dirty="0" smtClean="0"/>
           </a:p>
           <a:p>
             <a:pPr marL="571500" indent="-457200">
@@ -8613,7 +8603,6 @@
               <a:rPr lang="en-US" u="sng" dirty="0" smtClean="0"/>
               <a:t>hostname</a:t>
             </a:r>
-            <a:endParaRPr lang="en-US" u="sng" dirty="0" smtClean="0"/>
           </a:p>
           <a:p>
             <a:pPr marL="571500" indent="-457200">
@@ -8622,27 +8611,11 @@
             </a:pPr>
             <a:r>
               <a:rPr lang="en-US" dirty="0" smtClean="0"/>
-              <a:t>The </a:t>
-            </a:r>
-            <a:r>
-              <a:rPr lang="en-US" dirty="0" smtClean="0"/>
-              <a:t>output </a:t>
-            </a:r>
-            <a:r>
-              <a:rPr lang="en-US" dirty="0" smtClean="0"/>
-              <a:t>will </a:t>
-            </a:r>
-            <a:r>
-              <a:rPr lang="en-US" dirty="0" smtClean="0"/>
-              <a:t>be put in a file called </a:t>
+              <a:t>The output will be put in a file called </a:t>
             </a:r>
             <a:r>
               <a:rPr lang="en-US" u="sng" dirty="0" err="1" smtClean="0"/>
-              <a:t>hostname</a:t>
-            </a:r>
-            <a:r>
-              <a:rPr lang="en-US" u="sng" dirty="0" err="1" smtClean="0"/>
-              <a:t>.out</a:t>
+              <a:t>hostname.out</a:t>
             </a:r>
             <a:endParaRPr lang="en-US" u="sng" dirty="0" smtClean="0"/>
           </a:p>
@@ -8685,7 +8658,7 @@
           <a:p>
             <a:fld id="{8AAB95EE-F5B9-AD42-8A38-96238826F65B}" type="datetime1">
               <a:rPr lang="en-US" smtClean="0"/>
-              <a:t>7/15/16</a:t>
+              <a:t>7/17/16</a:t>
             </a:fld>
             <a:endParaRPr lang="en-US"/>
           </a:p>
@@ -9175,7 +9148,7 @@
           <a:p>
             <a:fld id="{F54B9CA1-8D0D-5A46-BE33-6FD8C36F6AE6}" type="datetime1">
               <a:rPr lang="en-US" smtClean="0"/>
-              <a:t>7/15/16</a:t>
+              <a:t>7/17/16</a:t>
             </a:fld>
             <a:endParaRPr lang="en-US"/>
           </a:p>
@@ -9523,7 +9496,7 @@
           <a:p>
             <a:fld id="{F54B9CA1-8D0D-5A46-BE33-6FD8C36F6AE6}" type="datetime1">
               <a:rPr lang="en-US" smtClean="0"/>
-              <a:t>7/15/16</a:t>
+              <a:t>7/17/16</a:t>
             </a:fld>
             <a:endParaRPr lang="en-US"/>
           </a:p>
@@ -9783,15 +9756,7 @@
                 <a:ea typeface="Courier New" charset="0"/>
                 <a:cs typeface="Courier New" charset="0"/>
               </a:rPr>
-              <a:t>qos</a:t>
-            </a:r>
-            <a:r>
-              <a:rPr lang="en-US" dirty="0" err="1" smtClean="0">
-                <a:latin typeface="Courier New" charset="0"/>
-                <a:ea typeface="Courier New" charset="0"/>
-                <a:cs typeface="Courier New" charset="0"/>
-              </a:rPr>
-              <a:t>_list</a:t>
+              <a:t>qos_list</a:t>
             </a:r>
             <a:r>
               <a:rPr lang="en-US" dirty="0" smtClean="0">
@@ -9888,7 +9853,7 @@
           <a:p>
             <a:fld id="{458ABAA4-74E3-0245-9FDE-7BD19B71E311}" type="datetime1">
               <a:rPr lang="en-US" smtClean="0"/>
-              <a:t>7/15/16</a:t>
+              <a:t>7/17/16</a:t>
             </a:fld>
             <a:endParaRPr lang="en-US" dirty="0"/>
           </a:p>
@@ -10093,11 +10058,7 @@
             </a:pPr>
             <a:r>
               <a:rPr lang="en-US" dirty="0" smtClean="0"/>
-              <a:t>The job should run </a:t>
-            </a:r>
-            <a:r>
-              <a:rPr lang="en-US" dirty="0" smtClean="0"/>
-              <a:t>first the </a:t>
+              <a:t>The job should run first the </a:t>
             </a:r>
             <a:r>
               <a:rPr lang="en-US" dirty="0" err="1" smtClean="0"/>
@@ -10105,15 +10066,7 @@
             </a:r>
             <a:r>
               <a:rPr lang="en-US" dirty="0" smtClean="0"/>
-              <a:t> command, then the </a:t>
-            </a:r>
-            <a:r>
-              <a:rPr lang="en-US" dirty="0" smtClean="0"/>
-              <a:t>Unix </a:t>
-            </a:r>
-            <a:r>
-              <a:rPr lang="en-US" dirty="0" smtClean="0"/>
-              <a:t>“sleep” command for 90 seconds, then the hostname command</a:t>
+              <a:t> command, then the Unix “sleep” command for 90 seconds, then the hostname command</a:t>
             </a:r>
           </a:p>
           <a:p>
@@ -10128,15 +10081,7 @@
                 <a:ea typeface="Courier New" charset="0"/>
                 <a:cs typeface="Courier New" charset="0"/>
               </a:rPr>
-              <a:t>s</a:t>
-            </a:r>
-            <a:r>
-              <a:rPr lang="en-US" dirty="0" smtClean="0">
-                <a:latin typeface="Courier New" charset="0"/>
-                <a:ea typeface="Courier New" charset="0"/>
-                <a:cs typeface="Courier New" charset="0"/>
-              </a:rPr>
-              <a:t>leep 90</a:t>
+              <a:t>sleep 90</a:t>
             </a:r>
           </a:p>
           <a:p>
@@ -10189,11 +10134,6 @@
               </a:rPr>
               <a:t>runs same as hostname</a:t>
             </a:r>
-            <a:endParaRPr lang="en-US" dirty="0" smtClean="0">
-              <a:latin typeface="Helvetica Neue" charset="0"/>
-              <a:ea typeface="Helvetica Neue" charset="0"/>
-              <a:cs typeface="Helvetica Neue" charset="0"/>
-            </a:endParaRPr>
           </a:p>
           <a:p>
             <a:pPr marL="571500" indent="-457200">
@@ -10202,27 +10142,11 @@
             </a:pPr>
             <a:r>
               <a:rPr lang="en-US" dirty="0" smtClean="0"/>
-              <a:t>The </a:t>
-            </a:r>
-            <a:r>
-              <a:rPr lang="en-US" dirty="0" smtClean="0"/>
-              <a:t>job </a:t>
-            </a:r>
-            <a:r>
-              <a:rPr lang="en-US" dirty="0" smtClean="0"/>
-              <a:t>will </a:t>
-            </a:r>
-            <a:r>
-              <a:rPr lang="en-US" dirty="0" smtClean="0"/>
-              <a:t>be submitted from a bash script named </a:t>
+              <a:t>The job will be submitted from a bash script named </a:t>
             </a:r>
             <a:r>
               <a:rPr lang="en-US" dirty="0" err="1" smtClean="0"/>
-              <a:t>sleep</a:t>
-            </a:r>
-            <a:r>
-              <a:rPr lang="en-US" dirty="0" err="1" smtClean="0"/>
-              <a:t>.sh</a:t>
+              <a:t>sleep.sh</a:t>
             </a:r>
             <a:endParaRPr lang="en-US" dirty="0" smtClean="0"/>
           </a:p>
@@ -10239,7 +10163,6 @@
               <a:rPr lang="en-US" dirty="0" smtClean="0"/>
               <a:t>node</a:t>
             </a:r>
-            <a:endParaRPr lang="en-US" dirty="0" smtClean="0"/>
           </a:p>
           <a:p>
             <a:pPr marL="571500" indent="-457200">
@@ -10258,19 +10181,7 @@
             </a:pPr>
             <a:r>
               <a:rPr lang="en-US" dirty="0" smtClean="0"/>
-              <a:t>The </a:t>
-            </a:r>
-            <a:r>
-              <a:rPr lang="en-US" dirty="0" smtClean="0"/>
-              <a:t>output </a:t>
-            </a:r>
-            <a:r>
-              <a:rPr lang="en-US" dirty="0" smtClean="0"/>
-              <a:t>will </a:t>
-            </a:r>
-            <a:r>
-              <a:rPr lang="en-US" dirty="0" smtClean="0"/>
-              <a:t>be put in a file called </a:t>
+              <a:t>The output will be put in a file called </a:t>
             </a:r>
             <a:r>
               <a:rPr lang="en-US" dirty="0" err="1" smtClean="0"/>
@@ -10294,7 +10205,6 @@
               <a:rPr lang="en-US" dirty="0" smtClean="0"/>
               <a:t>Hint:  Requires two SBATCH options to do this</a:t>
             </a:r>
-            <a:endParaRPr lang="en-US" dirty="0" smtClean="0"/>
           </a:p>
           <a:p>
             <a:pPr marL="571500" indent="-457200">
@@ -10335,7 +10245,7 @@
           <a:p>
             <a:fld id="{8AAB95EE-F5B9-AD42-8A38-96238826F65B}" type="datetime1">
               <a:rPr lang="en-US" smtClean="0"/>
-              <a:t>7/15/16</a:t>
+              <a:t>7/17/16</a:t>
             </a:fld>
             <a:endParaRPr lang="en-US"/>
           </a:p>
